--- a/课件/第二节课/python基础标准课件.pptx
+++ b/课件/第二节课/python基础标准课件.pptx
@@ -213,7 +213,7 @@
           <a:p>
             <a:fld id="{8433A6C2-DE8C-7E42-BA65-3FA1EC1B3076}" type="datetimeFigureOut">
               <a:rPr kumimoji="1" lang="zh-CN" altLang="en-US" smtClean="0"/>
-              <a:t>2018/4/12</a:t>
+              <a:t>2018/4/14</a:t>
             </a:fld>
             <a:endParaRPr kumimoji="1" lang="zh-CN" altLang="en-US"/>
           </a:p>
@@ -373,7 +373,7 @@
           <a:p>
             <a:fld id="{407B7494-D075-4932-B485-21A15FEF2165}" type="datetimeFigureOut">
               <a:rPr lang="zh-CN" altLang="en-US" smtClean="0"/>
-              <a:t>2018/4/12</a:t>
+              <a:t>2018/4/14</a:t>
             </a:fld>
             <a:endParaRPr lang="zh-CN" altLang="en-US"/>
           </a:p>
@@ -867,7 +867,7 @@
           <a:p>
             <a:fld id="{1E333D41-EAB8-40B2-B281-A120D466E23B}" type="datetimeFigureOut">
               <a:rPr lang="zh-CN" altLang="en-US" smtClean="0"/>
-              <a:t>2018/4/12</a:t>
+              <a:t>2018/4/14</a:t>
             </a:fld>
             <a:endParaRPr lang="zh-CN" altLang="en-US"/>
           </a:p>
@@ -1114,7 +1114,7 @@
           <a:p>
             <a:fld id="{1E333D41-EAB8-40B2-B281-A120D466E23B}" type="datetimeFigureOut">
               <a:rPr lang="zh-CN" altLang="en-US" smtClean="0"/>
-              <a:t>2018/4/12</a:t>
+              <a:t>2018/4/14</a:t>
             </a:fld>
             <a:endParaRPr lang="zh-CN" altLang="en-US"/>
           </a:p>
@@ -1277,7 +1277,7 @@
           <a:p>
             <a:fld id="{1E333D41-EAB8-40B2-B281-A120D466E23B}" type="datetimeFigureOut">
               <a:rPr lang="zh-CN" altLang="en-US" smtClean="0"/>
-              <a:t>2018/4/12</a:t>
+              <a:t>2018/4/14</a:t>
             </a:fld>
             <a:endParaRPr lang="zh-CN" altLang="en-US"/>
           </a:p>
@@ -1450,7 +1450,7 @@
           <a:p>
             <a:fld id="{1E333D41-EAB8-40B2-B281-A120D466E23B}" type="datetimeFigureOut">
               <a:rPr lang="zh-CN" altLang="en-US" smtClean="0"/>
-              <a:t>2018/4/12</a:t>
+              <a:t>2018/4/14</a:t>
             </a:fld>
             <a:endParaRPr lang="zh-CN" altLang="en-US"/>
           </a:p>
@@ -1635,7 +1635,7 @@
           <a:p>
             <a:fld id="{67DC8ECF-C17C-9547-9729-DC0BA14056B1}" type="datetimeFigureOut">
               <a:rPr kumimoji="1" lang="zh-CN" altLang="en-US" smtClean="0"/>
-              <a:t>2018/4/12</a:t>
+              <a:t>2018/4/14</a:t>
             </a:fld>
             <a:endParaRPr kumimoji="1" lang="zh-CN" altLang="en-US"/>
           </a:p>
@@ -1798,7 +1798,7 @@
           <a:p>
             <a:fld id="{67DC8ECF-C17C-9547-9729-DC0BA14056B1}" type="datetimeFigureOut">
               <a:rPr kumimoji="1" lang="zh-CN" altLang="en-US" smtClean="0"/>
-              <a:t>2018/4/12</a:t>
+              <a:t>2018/4/14</a:t>
             </a:fld>
             <a:endParaRPr kumimoji="1" lang="zh-CN" altLang="en-US"/>
           </a:p>
@@ -2038,7 +2038,7 @@
           <a:p>
             <a:fld id="{67DC8ECF-C17C-9547-9729-DC0BA14056B1}" type="datetimeFigureOut">
               <a:rPr kumimoji="1" lang="zh-CN" altLang="en-US" smtClean="0"/>
-              <a:t>2018/4/12</a:t>
+              <a:t>2018/4/14</a:t>
             </a:fld>
             <a:endParaRPr kumimoji="1" lang="zh-CN" altLang="en-US"/>
           </a:p>
@@ -2262,7 +2262,7 @@
           <a:p>
             <a:fld id="{67DC8ECF-C17C-9547-9729-DC0BA14056B1}" type="datetimeFigureOut">
               <a:rPr kumimoji="1" lang="zh-CN" altLang="en-US" smtClean="0"/>
-              <a:t>2018/4/12</a:t>
+              <a:t>2018/4/14</a:t>
             </a:fld>
             <a:endParaRPr kumimoji="1" lang="zh-CN" altLang="en-US"/>
           </a:p>
@@ -2621,7 +2621,7 @@
           <a:p>
             <a:fld id="{67DC8ECF-C17C-9547-9729-DC0BA14056B1}" type="datetimeFigureOut">
               <a:rPr kumimoji="1" lang="zh-CN" altLang="en-US" smtClean="0"/>
-              <a:t>2018/4/12</a:t>
+              <a:t>2018/4/14</a:t>
             </a:fld>
             <a:endParaRPr kumimoji="1" lang="zh-CN" altLang="en-US"/>
           </a:p>
@@ -2733,7 +2733,7 @@
           <a:p>
             <a:fld id="{67DC8ECF-C17C-9547-9729-DC0BA14056B1}" type="datetimeFigureOut">
               <a:rPr kumimoji="1" lang="zh-CN" altLang="en-US" smtClean="0"/>
-              <a:t>2018/4/12</a:t>
+              <a:t>2018/4/14</a:t>
             </a:fld>
             <a:endParaRPr kumimoji="1" lang="zh-CN" altLang="en-US"/>
           </a:p>
@@ -2823,7 +2823,7 @@
           <a:p>
             <a:fld id="{67DC8ECF-C17C-9547-9729-DC0BA14056B1}" type="datetimeFigureOut">
               <a:rPr kumimoji="1" lang="zh-CN" altLang="en-US" smtClean="0"/>
-              <a:t>2018/4/12</a:t>
+              <a:t>2018/4/14</a:t>
             </a:fld>
             <a:endParaRPr kumimoji="1" lang="zh-CN" altLang="en-US"/>
           </a:p>
@@ -2986,7 +2986,7 @@
           <a:p>
             <a:fld id="{1E333D41-EAB8-40B2-B281-A120D466E23B}" type="datetimeFigureOut">
               <a:rPr lang="zh-CN" altLang="en-US" smtClean="0"/>
-              <a:t>2018/4/12</a:t>
+              <a:t>2018/4/14</a:t>
             </a:fld>
             <a:endParaRPr lang="zh-CN" altLang="en-US"/>
           </a:p>
@@ -3256,7 +3256,7 @@
           <a:p>
             <a:fld id="{67DC8ECF-C17C-9547-9729-DC0BA14056B1}" type="datetimeFigureOut">
               <a:rPr kumimoji="1" lang="zh-CN" altLang="en-US" smtClean="0"/>
-              <a:t>2018/4/12</a:t>
+              <a:t>2018/4/14</a:t>
             </a:fld>
             <a:endParaRPr kumimoji="1" lang="zh-CN" altLang="en-US"/>
           </a:p>
@@ -3503,7 +3503,7 @@
           <a:p>
             <a:fld id="{67DC8ECF-C17C-9547-9729-DC0BA14056B1}" type="datetimeFigureOut">
               <a:rPr kumimoji="1" lang="zh-CN" altLang="en-US" smtClean="0"/>
-              <a:t>2018/4/12</a:t>
+              <a:t>2018/4/14</a:t>
             </a:fld>
             <a:endParaRPr kumimoji="1" lang="zh-CN" altLang="en-US"/>
           </a:p>
@@ -3666,7 +3666,7 @@
           <a:p>
             <a:fld id="{67DC8ECF-C17C-9547-9729-DC0BA14056B1}" type="datetimeFigureOut">
               <a:rPr kumimoji="1" lang="zh-CN" altLang="en-US" smtClean="0"/>
-              <a:t>2018/4/12</a:t>
+              <a:t>2018/4/14</a:t>
             </a:fld>
             <a:endParaRPr kumimoji="1" lang="zh-CN" altLang="en-US"/>
           </a:p>
@@ -3839,7 +3839,7 @@
           <a:p>
             <a:fld id="{67DC8ECF-C17C-9547-9729-DC0BA14056B1}" type="datetimeFigureOut">
               <a:rPr kumimoji="1" lang="zh-CN" altLang="en-US" smtClean="0"/>
-              <a:t>2018/4/12</a:t>
+              <a:t>2018/4/14</a:t>
             </a:fld>
             <a:endParaRPr kumimoji="1" lang="zh-CN" altLang="en-US"/>
           </a:p>
@@ -4079,7 +4079,7 @@
           <a:p>
             <a:fld id="{1E333D41-EAB8-40B2-B281-A120D466E23B}" type="datetimeFigureOut">
               <a:rPr lang="zh-CN" altLang="en-US" smtClean="0"/>
-              <a:t>2018/4/12</a:t>
+              <a:t>2018/4/14</a:t>
             </a:fld>
             <a:endParaRPr lang="zh-CN" altLang="en-US"/>
           </a:p>
@@ -4303,7 +4303,7 @@
           <a:p>
             <a:fld id="{1E333D41-EAB8-40B2-B281-A120D466E23B}" type="datetimeFigureOut">
               <a:rPr lang="zh-CN" altLang="en-US" smtClean="0"/>
-              <a:t>2018/4/12</a:t>
+              <a:t>2018/4/14</a:t>
             </a:fld>
             <a:endParaRPr lang="zh-CN" altLang="en-US"/>
           </a:p>
@@ -4662,7 +4662,7 @@
           <a:p>
             <a:fld id="{1E333D41-EAB8-40B2-B281-A120D466E23B}" type="datetimeFigureOut">
               <a:rPr lang="zh-CN" altLang="en-US" smtClean="0"/>
-              <a:t>2018/4/12</a:t>
+              <a:t>2018/4/14</a:t>
             </a:fld>
             <a:endParaRPr lang="zh-CN" altLang="en-US"/>
           </a:p>
@@ -4774,7 +4774,7 @@
           <a:p>
             <a:fld id="{1E333D41-EAB8-40B2-B281-A120D466E23B}" type="datetimeFigureOut">
               <a:rPr lang="zh-CN" altLang="en-US" smtClean="0"/>
-              <a:t>2018/4/12</a:t>
+              <a:t>2018/4/14</a:t>
             </a:fld>
             <a:endParaRPr lang="zh-CN" altLang="en-US"/>
           </a:p>
@@ -5466,7 +5466,7 @@
           <a:p>
             <a:fld id="{1E333D41-EAB8-40B2-B281-A120D466E23B}" type="datetimeFigureOut">
               <a:rPr lang="zh-CN" altLang="en-US" smtClean="0"/>
-              <a:t>2018/4/12</a:t>
+              <a:t>2018/4/14</a:t>
             </a:fld>
             <a:endParaRPr lang="zh-CN" altLang="en-US"/>
           </a:p>
@@ -5672,7 +5672,7 @@
           <a:p>
             <a:fld id="{F969584D-572C-6B44-88BE-488C33AA6CF5}" type="datetimeFigureOut">
               <a:rPr kumimoji="1" lang="zh-CN" altLang="en-US" smtClean="0"/>
-              <a:t>2018/4/12</a:t>
+              <a:t>2018/4/14</a:t>
             </a:fld>
             <a:endParaRPr kumimoji="1" lang="zh-CN" altLang="en-US"/>
           </a:p>
@@ -6790,7 +6790,7 @@
           <a:p>
             <a:fld id="{1E333D41-EAB8-40B2-B281-A120D466E23B}" type="datetimeFigureOut">
               <a:rPr lang="zh-CN" altLang="en-US" smtClean="0"/>
-              <a:t>2018/4/12</a:t>
+              <a:t>2018/4/14</a:t>
             </a:fld>
             <a:endParaRPr lang="zh-CN" altLang="en-US"/>
           </a:p>
@@ -7324,7 +7324,7 @@
           <a:p>
             <a:fld id="{67DC8ECF-C17C-9547-9729-DC0BA14056B1}" type="datetimeFigureOut">
               <a:rPr kumimoji="1" lang="zh-CN" altLang="en-US" smtClean="0"/>
-              <a:t>2018/4/12</a:t>
+              <a:t>2018/4/14</a:t>
             </a:fld>
             <a:endParaRPr kumimoji="1" lang="zh-CN" altLang="en-US"/>
           </a:p>
@@ -24786,7 +24786,7 @@
                 <a:latin typeface="微软雅黑" panose="020B0503020204020204" pitchFamily="34" charset="-122"/>
                 <a:ea typeface="微软雅黑" panose="020B0503020204020204" pitchFamily="34" charset="-122"/>
               </a:rPr>
-              <a:t>  这堂课用什么工具</a:t>
+              <a:t>  这期课用什么工具</a:t>
             </a:r>
           </a:p>
         </p:txBody>
